--- a/Cloud_functions.pptx
+++ b/Cloud_functions.pptx
@@ -12,7 +12,6 @@
     <p:sldId id="260" r:id="rId6"/>
     <p:sldId id="261" r:id="rId7"/>
     <p:sldId id="263" r:id="rId8"/>
-    <p:sldId id="266" r:id="rId9"/>
   </p:sldIdLst>
   <p:sldSz cx="12192000" cy="6858000"/>
   <p:notesSz cx="6858000" cy="9144000"/>
@@ -3433,7 +3432,7 @@
           <a:p>
             <a:fld id="{78ABE3C1-DBE1-495D-B57B-2849774B866A}" type="datetimeFigureOut">
               <a:rPr lang="en-US" dirty="0"/>
-              <a:t>8/8/20</a:t>
+              <a:t>8/14/20</a:t>
             </a:fld>
             <a:endParaRPr lang="en-US" dirty="0"/>
           </a:p>
@@ -3842,7 +3841,7 @@
           <a:p>
             <a:fld id="{446C117F-5CCF-4837-BE5F-2B92066CAFAF}" type="datetimeFigureOut">
               <a:rPr lang="en-US" dirty="0"/>
-              <a:t>8/8/20</a:t>
+              <a:t>8/14/20</a:t>
             </a:fld>
             <a:endParaRPr lang="en-US" dirty="0"/>
           </a:p>
@@ -4173,7 +4172,7 @@
           <a:p>
             <a:fld id="{84EB90BD-B6CE-46B7-997F-7313B992CCDC}" type="datetimeFigureOut">
               <a:rPr lang="en-US" dirty="0"/>
-              <a:t>8/8/20</a:t>
+              <a:t>8/14/20</a:t>
             </a:fld>
             <a:endParaRPr lang="en-US" dirty="0"/>
           </a:p>
@@ -4573,7 +4572,7 @@
           <a:p>
             <a:fld id="{CDB9D11F-B188-461D-B23F-39381795C052}" type="datetimeFigureOut">
               <a:rPr lang="en-US" dirty="0"/>
-              <a:t>8/8/20</a:t>
+              <a:t>8/14/20</a:t>
             </a:fld>
             <a:endParaRPr lang="en-US" dirty="0"/>
           </a:p>
@@ -5136,7 +5135,7 @@
           <a:p>
             <a:fld id="{52E6D8D9-55A2-4063-B0F3-121F44549695}" type="datetimeFigureOut">
               <a:rPr lang="en-US" dirty="0"/>
-              <a:t>8/8/20</a:t>
+              <a:t>8/14/20</a:t>
             </a:fld>
             <a:endParaRPr lang="en-US" dirty="0"/>
           </a:p>
@@ -5812,7 +5811,7 @@
           <a:p>
             <a:fld id="{D4B24536-994D-4021-A283-9F449C0DB509}" type="datetimeFigureOut">
               <a:rPr lang="en-US" dirty="0"/>
-              <a:t>8/8/20</a:t>
+              <a:t>8/14/20</a:t>
             </a:fld>
             <a:endParaRPr lang="en-US" dirty="0"/>
           </a:p>
@@ -6720,7 +6719,7 @@
           <a:p>
             <a:fld id="{3CBBBB78-C96F-47B7-AB17-D852CA960AC9}" type="datetimeFigureOut">
               <a:rPr lang="en-US" dirty="0"/>
-              <a:t>8/8/20</a:t>
+              <a:t>8/14/20</a:t>
             </a:fld>
             <a:endParaRPr lang="en-US" dirty="0"/>
           </a:p>
@@ -7028,7 +7027,7 @@
           <a:p>
             <a:fld id="{1FA3F48C-C7C6-4055-9F49-3777875E72AE}" type="datetimeFigureOut">
               <a:rPr lang="en-US" dirty="0"/>
-              <a:t>8/8/20</a:t>
+              <a:t>8/14/20</a:t>
             </a:fld>
             <a:endParaRPr lang="en-US" dirty="0"/>
           </a:p>
@@ -7287,7 +7286,7 @@
           <a:p>
             <a:fld id="{6178E61D-D431-422C-9764-11DAFE33AB63}" type="datetimeFigureOut">
               <a:rPr lang="en-US" dirty="0"/>
-              <a:t>8/8/20</a:t>
+              <a:t>8/14/20</a:t>
             </a:fld>
             <a:endParaRPr lang="en-US" dirty="0"/>
           </a:p>
@@ -7606,7 +7605,7 @@
           <a:p>
             <a:fld id="{12DE42F4-6EEF-4EF7-8ED4-2208F0F89A08}" type="datetimeFigureOut">
               <a:rPr lang="en-US" dirty="0"/>
-              <a:t>8/8/20</a:t>
+              <a:t>8/14/20</a:t>
             </a:fld>
             <a:endParaRPr lang="en-US" dirty="0"/>
           </a:p>
@@ -7990,7 +7989,7 @@
           <a:p>
             <a:fld id="{30578ACC-22D6-47C1-A373-4FD133E34F3C}" type="datetimeFigureOut">
               <a:rPr lang="en-US" dirty="0"/>
-              <a:t>8/8/20</a:t>
+              <a:t>8/14/20</a:t>
             </a:fld>
             <a:endParaRPr lang="en-US" dirty="0"/>
           </a:p>
@@ -8361,7 +8360,7 @@
           <a:p>
             <a:fld id="{4E5A6C69-6797-4E8A-BF37-F2C3751466E9}" type="datetimeFigureOut">
               <a:rPr lang="en-US" dirty="0"/>
-              <a:t>8/8/20</a:t>
+              <a:t>8/14/20</a:t>
             </a:fld>
             <a:endParaRPr lang="en-US" dirty="0"/>
           </a:p>
@@ -8862,7 +8861,7 @@
           <a:p>
             <a:fld id="{D82014A1-A632-4878-A0D3-F52BA7563730}" type="datetimeFigureOut">
               <a:rPr lang="en-US" dirty="0"/>
-              <a:t>8/8/20</a:t>
+              <a:t>8/14/20</a:t>
             </a:fld>
             <a:endParaRPr lang="en-US" dirty="0"/>
           </a:p>
@@ -9114,7 +9113,7 @@
           <a:p>
             <a:fld id="{CE99F462-093F-4566-844B-4C71F2739DA5}" type="datetimeFigureOut">
               <a:rPr lang="en-US" dirty="0"/>
-              <a:t>8/8/20</a:t>
+              <a:t>8/14/20</a:t>
             </a:fld>
             <a:endParaRPr lang="en-US" dirty="0"/>
           </a:p>
@@ -9272,7 +9271,7 @@
           <a:p>
             <a:fld id="{3D24A7AC-904D-4781-85BA-7D10C17ED021}" type="datetimeFigureOut">
               <a:rPr lang="en-US" dirty="0"/>
-              <a:t>8/8/20</a:t>
+              <a:t>8/14/20</a:t>
             </a:fld>
             <a:endParaRPr lang="en-US" dirty="0"/>
           </a:p>
@@ -9657,7 +9656,7 @@
           <a:p>
             <a:fld id="{E331444B-B92B-4E27-8C94-BB93EAF5CB18}" type="datetimeFigureOut">
               <a:rPr lang="en-US" dirty="0"/>
-              <a:t>8/8/20</a:t>
+              <a:t>8/14/20</a:t>
             </a:fld>
             <a:endParaRPr lang="en-US" dirty="0"/>
           </a:p>
@@ -10061,7 +10060,7 @@
           <a:p>
             <a:fld id="{363EFA5E-FA76-400D-B3DC-F0BA90E6D107}" type="datetimeFigureOut">
               <a:rPr lang="en-US" dirty="0"/>
-              <a:t>8/8/20</a:t>
+              <a:t>8/14/20</a:t>
             </a:fld>
             <a:endParaRPr lang="en-US" dirty="0"/>
           </a:p>
@@ -10300,7 +10299,7 @@
           <a:p>
             <a:fld id="{9D6E9DEC-419B-4CC5-A080-3B06BD5A8291}" type="datetimeFigureOut">
               <a:rPr lang="en-US" dirty="0"/>
-              <a:t>8/8/20</a:t>
+              <a:t>8/14/20</a:t>
             </a:fld>
             <a:endParaRPr lang="en-US" dirty="0"/>
           </a:p>
@@ -11788,6 +11787,41 @@
 <file path=ppt/slides/slide6.xml><?xml version="1.0" encoding="utf-8"?>
 <p:sld xmlns:a="http://schemas.openxmlformats.org/drawingml/2006/main" xmlns:r="http://schemas.openxmlformats.org/officeDocument/2006/relationships" xmlns:p="http://schemas.openxmlformats.org/presentationml/2006/main">
   <p:cSld>
+    <p:bg>
+      <p:bgPr>
+        <a:gradFill rotWithShape="1">
+          <a:gsLst>
+            <a:gs pos="0">
+              <a:schemeClr val="bg2">
+                <a:tint val="96000"/>
+                <a:shade val="100000"/>
+                <a:hueMod val="270000"/>
+                <a:satMod val="200000"/>
+                <a:lumMod val="128000"/>
+              </a:schemeClr>
+            </a:gs>
+            <a:gs pos="50000">
+              <a:schemeClr val="bg2">
+                <a:shade val="100000"/>
+                <a:hueMod val="100000"/>
+                <a:satMod val="110000"/>
+                <a:lumMod val="130000"/>
+              </a:schemeClr>
+            </a:gs>
+            <a:gs pos="100000">
+              <a:schemeClr val="bg2">
+                <a:shade val="78000"/>
+                <a:hueMod val="44000"/>
+                <a:satMod val="200000"/>
+                <a:lumMod val="69000"/>
+              </a:schemeClr>
+            </a:gs>
+          </a:gsLst>
+          <a:lin ang="2520000" scaled="0"/>
+        </a:gradFill>
+        <a:effectLst/>
+      </p:bgPr>
+    </p:bg>
     <p:spTree>
       <p:nvGrpSpPr>
         <p:cNvPr id="1" name=""/>
@@ -11802,6 +11836,200 @@
           <a:chExt cx="0" cy="0"/>
         </a:xfrm>
       </p:grpSpPr>
+      <p:grpSp>
+        <p:nvGrpSpPr>
+          <p:cNvPr id="73" name="Group 72">
+            <a:extLst>
+              <a:ext uri="{FF2B5EF4-FFF2-40B4-BE49-F238E27FC236}">
+                <a16:creationId xmlns:a16="http://schemas.microsoft.com/office/drawing/2014/main" id="{7D0669C1-CDCE-41C7-A9AB-65D9119F8388}"/>
+              </a:ext>
+              <a:ext uri="{C183D7F6-B498-43B3-948B-1728B52AA6E4}">
+                <adec:decorative xmlns:adec="http://schemas.microsoft.com/office/drawing/2017/decorative" val="1"/>
+              </a:ext>
+            </a:extLst>
+          </p:cNvPr>
+          <p:cNvGrpSpPr>
+            <a:grpSpLocks noGrp="1" noUngrp="1" noRot="1" noChangeAspect="1" noMove="1" noResize="1"/>
+          </p:cNvGrpSpPr>
+          <p:nvPr>
+            <p:extLst>
+              <p:ext uri="{386F3935-93C4-4BCD-93E2-E3B085C9AB24}">
+                <p16:designElem xmlns:p16="http://schemas.microsoft.com/office/powerpoint/2015/main" val="1"/>
+              </p:ext>
+            </p:extLst>
+          </p:nvPr>
+        </p:nvGrpSpPr>
+        <p:grpSpPr>
+          <a:xfrm>
+            <a:off x="-3176" y="0"/>
+            <a:ext cx="12192000" cy="6858001"/>
+            <a:chOff x="-3176" y="0"/>
+            <a:chExt cx="12192000" cy="6858001"/>
+          </a:xfrm>
+        </p:grpSpPr>
+        <p:sp useBgFill="1">
+          <p:nvSpPr>
+            <p:cNvPr id="74" name="Rectangle 73">
+              <a:extLst>
+                <a:ext uri="{FF2B5EF4-FFF2-40B4-BE49-F238E27FC236}">
+                  <a16:creationId xmlns:a16="http://schemas.microsoft.com/office/drawing/2014/main" id="{1F80B4EE-271C-45C6-9338-555D3B0C4A6C}"/>
+                </a:ext>
+                <a:ext uri="{C183D7F6-B498-43B3-948B-1728B52AA6E4}">
+                  <adec:decorative xmlns:adec="http://schemas.microsoft.com/office/drawing/2017/decorative" val="1"/>
+                </a:ext>
+              </a:extLst>
+            </p:cNvPr>
+            <p:cNvSpPr/>
+            <p:nvPr>
+              <p:extLst>
+                <p:ext uri="{386F3935-93C4-4BCD-93E2-E3B085C9AB24}">
+                  <p16:designElem xmlns:p16="http://schemas.microsoft.com/office/powerpoint/2015/main" val="1"/>
+                </p:ext>
+              </p:extLst>
+            </p:nvPr>
+          </p:nvSpPr>
+          <p:spPr>
+            <a:xfrm>
+              <a:off x="0" y="0"/>
+              <a:ext cx="12188824" cy="6858001"/>
+            </a:xfrm>
+            <a:prstGeom prst="rect">
+              <a:avLst/>
+            </a:prstGeom>
+            <a:ln>
+              <a:noFill/>
+            </a:ln>
+          </p:spPr>
+          <p:style>
+            <a:lnRef idx="2">
+              <a:schemeClr val="accent1">
+                <a:shade val="50000"/>
+              </a:schemeClr>
+            </a:lnRef>
+            <a:fillRef idx="1">
+              <a:schemeClr val="accent1"/>
+            </a:fillRef>
+            <a:effectRef idx="0">
+              <a:schemeClr val="accent1"/>
+            </a:effectRef>
+            <a:fontRef idx="minor">
+              <a:schemeClr val="lt1"/>
+            </a:fontRef>
+          </p:style>
+          <p:txBody>
+            <a:bodyPr rtlCol="0" anchor="ctr"/>
+            <a:lstStyle/>
+            <a:p>
+              <a:pPr algn="ctr"/>
+              <a:endParaRPr lang="en-US"/>
+            </a:p>
+          </p:txBody>
+        </p:sp>
+        <p:pic>
+          <p:nvPicPr>
+            <p:cNvPr id="75" name="Picture 74">
+              <a:extLst>
+                <a:ext uri="{FF2B5EF4-FFF2-40B4-BE49-F238E27FC236}">
+                  <a16:creationId xmlns:a16="http://schemas.microsoft.com/office/drawing/2014/main" id="{6FCF3DCC-E585-4F88-8F8B-4EABFEF062C5}"/>
+                </a:ext>
+                <a:ext uri="{C183D7F6-B498-43B3-948B-1728B52AA6E4}">
+                  <adec:decorative xmlns:adec="http://schemas.microsoft.com/office/drawing/2017/decorative" val="1"/>
+                </a:ext>
+              </a:extLst>
+            </p:cNvPr>
+            <p:cNvPicPr>
+              <a:picLocks noChangeAspect="1"/>
+            </p:cNvPicPr>
+            <p:nvPr>
+              <p:extLst>
+                <p:ext uri="{386F3935-93C4-4BCD-93E2-E3B085C9AB24}">
+                  <p16:designElem xmlns:p16="http://schemas.microsoft.com/office/powerpoint/2015/main" val="1"/>
+                </p:ext>
+              </p:extLst>
+            </p:nvPr>
+          </p:nvPicPr>
+          <p:blipFill>
+            <a:blip r:embed="rId2">
+              <a:alphaModFix amt="10000"/>
+              <a:extLst>
+                <a:ext uri="{28A0092B-C50C-407E-A947-70E740481C1C}">
+                  <a14:useLocalDpi xmlns:a14="http://schemas.microsoft.com/office/drawing/2010/main" val="0"/>
+                </a:ext>
+              </a:extLst>
+            </a:blip>
+            <a:stretch>
+              <a:fillRect/>
+            </a:stretch>
+          </p:blipFill>
+          <p:spPr>
+            <a:xfrm>
+              <a:off x="-3176" y="0"/>
+              <a:ext cx="12192000" cy="6858000"/>
+            </a:xfrm>
+            <a:prstGeom prst="rect">
+              <a:avLst/>
+            </a:prstGeom>
+          </p:spPr>
+        </p:pic>
+      </p:grpSp>
+      <p:sp>
+        <p:nvSpPr>
+          <p:cNvPr id="77" name="Rectangle 76">
+            <a:extLst>
+              <a:ext uri="{FF2B5EF4-FFF2-40B4-BE49-F238E27FC236}">
+                <a16:creationId xmlns:a16="http://schemas.microsoft.com/office/drawing/2014/main" id="{F1AACF4D-AF22-463C-97CE-C34F0783C086}"/>
+              </a:ext>
+              <a:ext uri="{C183D7F6-B498-43B3-948B-1728B52AA6E4}">
+                <adec:decorative xmlns:adec="http://schemas.microsoft.com/office/drawing/2017/decorative" val="1"/>
+              </a:ext>
+            </a:extLst>
+          </p:cNvPr>
+          <p:cNvSpPr>
+            <a:spLocks noGrp="1" noRot="1" noChangeAspect="1" noMove="1" noResize="1" noEditPoints="1" noAdjustHandles="1" noChangeArrowheads="1" noChangeShapeType="1" noTextEdit="1"/>
+          </p:cNvSpPr>
+          <p:nvPr>
+            <p:extLst>
+              <p:ext uri="{386F3935-93C4-4BCD-93E2-E3B085C9AB24}">
+                <p16:designElem xmlns:p16="http://schemas.microsoft.com/office/powerpoint/2015/main" val="1"/>
+              </p:ext>
+            </p:extLst>
+          </p:nvPr>
+        </p:nvSpPr>
+        <p:spPr bwMode="grayWhite">
+          <a:xfrm>
+            <a:off x="2" y="609600"/>
+            <a:ext cx="6499753" cy="1368198"/>
+          </a:xfrm>
+          <a:prstGeom prst="rect">
+            <a:avLst/>
+          </a:prstGeom>
+          <a:solidFill>
+            <a:schemeClr val="bg1">
+              <a:lumMod val="85000"/>
+              <a:lumOff val="15000"/>
+            </a:schemeClr>
+          </a:solidFill>
+          <a:ln>
+            <a:noFill/>
+          </a:ln>
+        </p:spPr>
+        <p:style>
+          <a:lnRef idx="2">
+            <a:schemeClr val="accent1">
+              <a:shade val="50000"/>
+            </a:schemeClr>
+          </a:lnRef>
+          <a:fillRef idx="1">
+            <a:schemeClr val="accent1"/>
+          </a:fillRef>
+          <a:effectRef idx="0">
+            <a:schemeClr val="accent1"/>
+          </a:effectRef>
+          <a:fontRef idx="minor">
+            <a:schemeClr val="lt1"/>
+          </a:fontRef>
+        </p:style>
+      </p:sp>
       <p:sp>
         <p:nvSpPr>
           <p:cNvPr id="2" name="Título 1">
@@ -11821,7 +12049,7 @@
         <p:spPr>
           <a:xfrm>
             <a:off x="680321" y="753228"/>
-            <a:ext cx="7087552" cy="1080938"/>
+            <a:ext cx="5632247" cy="1080938"/>
           </a:xfrm>
         </p:spPr>
         <p:txBody>
@@ -11832,11 +12060,56 @@
           <a:p>
             <a:r>
               <a:rPr lang="es-MX" dirty="0"/>
-              <a:t>Código</a:t>
+              <a:t>Funcion de la App</a:t>
             </a:r>
           </a:p>
         </p:txBody>
       </p:sp>
+      <p:pic>
+        <p:nvPicPr>
+          <p:cNvPr id="79" name="Picture 78">
+            <a:extLst>
+              <a:ext uri="{FF2B5EF4-FFF2-40B4-BE49-F238E27FC236}">
+                <a16:creationId xmlns:a16="http://schemas.microsoft.com/office/drawing/2014/main" id="{6524329A-37E7-4025-B6E9-A97D40536894}"/>
+              </a:ext>
+              <a:ext uri="{C183D7F6-B498-43B3-948B-1728B52AA6E4}">
+                <adec:decorative xmlns:adec="http://schemas.microsoft.com/office/drawing/2017/decorative" val="1"/>
+              </a:ext>
+            </a:extLst>
+          </p:cNvPr>
+          <p:cNvPicPr>
+            <a:picLocks noGrp="1" noRot="1" noChangeAspect="1" noMove="1" noResize="1" noEditPoints="1" noAdjustHandles="1" noChangeArrowheads="1" noChangeShapeType="1" noCrop="1"/>
+          </p:cNvPicPr>
+          <p:nvPr>
+            <p:extLst>
+              <p:ext uri="{386F3935-93C4-4BCD-93E2-E3B085C9AB24}">
+                <p16:designElem xmlns:p16="http://schemas.microsoft.com/office/powerpoint/2015/main" val="1"/>
+              </p:ext>
+            </p:extLst>
+          </p:nvPr>
+        </p:nvPicPr>
+        <p:blipFill>
+          <a:blip r:embed="rId3">
+            <a:extLst>
+              <a:ext uri="{28A0092B-C50C-407E-A947-70E740481C1C}">
+                <a14:useLocalDpi xmlns:a14="http://schemas.microsoft.com/office/drawing/2010/main" val="0"/>
+              </a:ext>
+            </a:extLst>
+          </a:blip>
+          <a:stretch>
+            <a:fillRect/>
+          </a:stretch>
+        </p:blipFill>
+        <p:spPr>
+          <a:xfrm>
+            <a:off x="2" y="1970240"/>
+            <a:ext cx="6492240" cy="261714"/>
+          </a:xfrm>
+          <a:prstGeom prst="rect">
+            <a:avLst/>
+          </a:prstGeom>
+        </p:spPr>
+      </p:pic>
       <p:sp>
         <p:nvSpPr>
           <p:cNvPr id="3" name="Marcador de contenido 2">
@@ -11855,13 +12128,13 @@
         </p:nvSpPr>
         <p:spPr>
           <a:xfrm>
-            <a:off x="680321" y="2336873"/>
-            <a:ext cx="9926719" cy="3599316"/>
+            <a:off x="680322" y="2336873"/>
+            <a:ext cx="5632246" cy="3599316"/>
           </a:xfrm>
         </p:spPr>
         <p:txBody>
           <a:bodyPr>
-            <a:normAutofit lnSpcReduction="10000"/>
+            <a:normAutofit/>
           </a:bodyPr>
           <a:lstStyle/>
           <a:p>
@@ -11869,66 +12142,122 @@
               <a:buNone/>
             </a:pPr>
             <a:r>
-              <a:rPr lang="es-MX" dirty="0"/>
-              <a:t>Pubspec.yaml</a:t>
+              <a:rPr lang="es-MX" sz="2000" dirty="0"/>
+              <a:t>1.-Función Directorio</a:t>
             </a:r>
           </a:p>
-          <a:p>
-            <a:pPr marL="0" indent="0">
-              <a:buNone/>
-            </a:pPr>
-            <a:r>
-              <a:rPr lang="es-MX" dirty="0"/>
-              <a:t>firebase_messaging: ^6.0.16</a:t>
-            </a:r>
-          </a:p>
-          <a:p>
-            <a:pPr marL="0" indent="0">
-              <a:buNone/>
-            </a:pPr>
-            <a:endParaRPr lang="es-MX" dirty="0"/>
-          </a:p>
-          <a:p>
-            <a:pPr marL="0" indent="0">
-              <a:buNone/>
-            </a:pPr>
-            <a:r>
-              <a:rPr lang="es-MX" dirty="0"/>
-              <a:t>AndroidManifest.xml</a:t>
-            </a:r>
-          </a:p>
-          <a:p>
-            <a:r>
-              <a:rPr lang="es-MX" dirty="0"/>
-              <a:t>&lt;intent-filter&gt;</a:t>
-            </a:r>
-          </a:p>
-          <a:p>
-            <a:r>
-              <a:rPr lang="es-MX" dirty="0"/>
-              <a:t>&lt;action android:name="FLUTTER_NOTIFICATION_CLICK" /&gt;</a:t>
-            </a:r>
-          </a:p>
-          <a:p>
-            <a:r>
-              <a:rPr lang="es-MX" dirty="0"/>
-              <a:t>&lt;category android:name="android.intent.category.DEFAULT" /&gt;</a:t>
-            </a:r>
-          </a:p>
-          <a:p>
-            <a:r>
-              <a:rPr lang="es-MX" dirty="0"/>
-              <a:t>&lt;/intent-filter&gt;</a:t>
-            </a:r>
-          </a:p>
-          <a:p>
-            <a:pPr marL="0" indent="0">
-              <a:buNone/>
-            </a:pPr>
-            <a:endParaRPr lang="es-MX" dirty="0"/>
-          </a:p>
         </p:txBody>
       </p:sp>
+      <p:pic>
+        <p:nvPicPr>
+          <p:cNvPr id="1028" name="Picture 4" descr="Servicio De Directorio Telefónico Aislado Icono De Ilustración ...">
+            <a:extLst>
+              <a:ext uri="{FF2B5EF4-FFF2-40B4-BE49-F238E27FC236}">
+                <a16:creationId xmlns:a16="http://schemas.microsoft.com/office/drawing/2014/main" id="{99D8D245-6846-5847-8833-AECF521B90B1}"/>
+              </a:ext>
+            </a:extLst>
+          </p:cNvPr>
+          <p:cNvPicPr>
+            <a:picLocks noChangeAspect="1" noChangeArrowheads="1"/>
+          </p:cNvPicPr>
+          <p:nvPr/>
+        </p:nvPicPr>
+        <p:blipFill rotWithShape="1">
+          <a:blip r:embed="rId4">
+            <a:extLst>
+              <a:ext uri="{28A0092B-C50C-407E-A947-70E740481C1C}">
+                <a14:useLocalDpi xmlns:a14="http://schemas.microsoft.com/office/drawing/2010/main" val="0"/>
+              </a:ext>
+            </a:extLst>
+          </a:blip>
+          <a:srcRect t="19986" r="4" b="19927"/>
+          <a:stretch/>
+        </p:blipFill>
+        <p:spPr bwMode="auto">
+          <a:xfrm>
+            <a:off x="6984387" y="484632"/>
+            <a:ext cx="4719805" cy="2836084"/>
+          </a:xfrm>
+          <a:prstGeom prst="rect">
+            <a:avLst/>
+          </a:prstGeom>
+          <a:noFill/>
+          <a:ln>
+            <a:noFill/>
+          </a:ln>
+          <a:effectLst>
+            <a:outerShdw blurRad="76200" dist="63500" dir="5040000" algn="tl" rotWithShape="0">
+              <a:srgbClr val="000000">
+                <a:alpha val="41000"/>
+              </a:srgbClr>
+            </a:outerShdw>
+          </a:effectLst>
+          <a:extLst>
+            <a:ext uri="{909E8E84-426E-40DD-AFC4-6F175D3DCCD1}">
+              <a14:hiddenFill xmlns:a14="http://schemas.microsoft.com/office/drawing/2010/main">
+                <a:solidFill>
+                  <a:srgbClr val="FFFFFF"/>
+                </a:solidFill>
+              </a14:hiddenFill>
+            </a:ext>
+          </a:extLst>
+        </p:spPr>
+      </p:pic>
+      <p:pic>
+        <p:nvPicPr>
+          <p:cNvPr id="5" name="Picture 2" descr="What can I do with Cloud Functions? | Firebase">
+            <a:extLst>
+              <a:ext uri="{FF2B5EF4-FFF2-40B4-BE49-F238E27FC236}">
+                <a16:creationId xmlns:a16="http://schemas.microsoft.com/office/drawing/2014/main" id="{97C60E8D-D53A-0D4F-A2A6-440C882DE57B}"/>
+              </a:ext>
+            </a:extLst>
+          </p:cNvPr>
+          <p:cNvPicPr>
+            <a:picLocks noChangeAspect="1" noChangeArrowheads="1"/>
+          </p:cNvPicPr>
+          <p:nvPr/>
+        </p:nvPicPr>
+        <p:blipFill rotWithShape="1">
+          <a:blip r:embed="rId5">
+            <a:extLst>
+              <a:ext uri="{28A0092B-C50C-407E-A947-70E740481C1C}">
+                <a14:useLocalDpi xmlns:a14="http://schemas.microsoft.com/office/drawing/2010/main" val="0"/>
+              </a:ext>
+            </a:extLst>
+          </a:blip>
+          <a:srcRect r="3227" b="-4"/>
+          <a:stretch/>
+        </p:blipFill>
+        <p:spPr bwMode="auto">
+          <a:xfrm>
+            <a:off x="6984386" y="3632401"/>
+            <a:ext cx="4719805" cy="2743530"/>
+          </a:xfrm>
+          <a:prstGeom prst="rect">
+            <a:avLst/>
+          </a:prstGeom>
+          <a:noFill/>
+          <a:ln>
+            <a:noFill/>
+          </a:ln>
+          <a:effectLst>
+            <a:outerShdw blurRad="76200" dist="63500" dir="5040000" algn="tl" rotWithShape="0">
+              <a:srgbClr val="000000">
+                <a:alpha val="41000"/>
+              </a:srgbClr>
+            </a:outerShdw>
+          </a:effectLst>
+          <a:extLst>
+            <a:ext uri="{909E8E84-426E-40DD-AFC4-6F175D3DCCD1}">
+              <a14:hiddenFill xmlns:a14="http://schemas.microsoft.com/office/drawing/2010/main">
+                <a:solidFill>
+                  <a:srgbClr val="FFFFFF"/>
+                </a:solidFill>
+              </a14:hiddenFill>
+            </a:ext>
+          </a:extLst>
+        </p:spPr>
+      </p:pic>
     </p:spTree>
     <p:extLst>
       <p:ext uri="{BB962C8B-B14F-4D97-AF65-F5344CB8AC3E}">
@@ -11945,6 +12274,41 @@
 <file path=ppt/slides/slide7.xml><?xml version="1.0" encoding="utf-8"?>
 <p:sld xmlns:a="http://schemas.openxmlformats.org/drawingml/2006/main" xmlns:r="http://schemas.openxmlformats.org/officeDocument/2006/relationships" xmlns:p="http://schemas.openxmlformats.org/presentationml/2006/main">
   <p:cSld>
+    <p:bg>
+      <p:bgPr>
+        <a:gradFill rotWithShape="1">
+          <a:gsLst>
+            <a:gs pos="0">
+              <a:schemeClr val="bg2">
+                <a:tint val="96000"/>
+                <a:shade val="100000"/>
+                <a:hueMod val="270000"/>
+                <a:satMod val="200000"/>
+                <a:lumMod val="128000"/>
+              </a:schemeClr>
+            </a:gs>
+            <a:gs pos="50000">
+              <a:schemeClr val="bg2">
+                <a:shade val="100000"/>
+                <a:hueMod val="100000"/>
+                <a:satMod val="110000"/>
+                <a:lumMod val="130000"/>
+              </a:schemeClr>
+            </a:gs>
+            <a:gs pos="100000">
+              <a:schemeClr val="bg2">
+                <a:shade val="78000"/>
+                <a:hueMod val="44000"/>
+                <a:satMod val="200000"/>
+                <a:lumMod val="69000"/>
+              </a:schemeClr>
+            </a:gs>
+          </a:gsLst>
+          <a:lin ang="2520000" scaled="0"/>
+        </a:gradFill>
+        <a:effectLst/>
+      </p:bgPr>
+    </p:bg>
     <p:spTree>
       <p:nvGrpSpPr>
         <p:cNvPr id="1" name=""/>
@@ -11959,6 +12323,170 @@
           <a:chExt cx="0" cy="0"/>
         </a:xfrm>
       </p:grpSpPr>
+      <p:sp useBgFill="1">
+        <p:nvSpPr>
+          <p:cNvPr id="10" name="Rectangle 9">
+            <a:extLst>
+              <a:ext uri="{FF2B5EF4-FFF2-40B4-BE49-F238E27FC236}">
+                <a16:creationId xmlns:a16="http://schemas.microsoft.com/office/drawing/2014/main" id="{C610D2AE-07EF-436A-9755-AA8DF4B933A4}"/>
+              </a:ext>
+              <a:ext uri="{C183D7F6-B498-43B3-948B-1728B52AA6E4}">
+                <adec:decorative xmlns:adec="http://schemas.microsoft.com/office/drawing/2017/decorative" val="1"/>
+              </a:ext>
+            </a:extLst>
+          </p:cNvPr>
+          <p:cNvSpPr>
+            <a:spLocks noGrp="1" noRot="1" noChangeAspect="1" noMove="1" noResize="1" noEditPoints="1" noAdjustHandles="1" noChangeArrowheads="1" noChangeShapeType="1" noTextEdit="1"/>
+          </p:cNvSpPr>
+          <p:nvPr>
+            <p:extLst>
+              <p:ext uri="{386F3935-93C4-4BCD-93E2-E3B085C9AB24}">
+                <p16:designElem xmlns:p16="http://schemas.microsoft.com/office/powerpoint/2015/main" val="1"/>
+              </p:ext>
+            </p:extLst>
+          </p:nvPr>
+        </p:nvSpPr>
+        <p:spPr>
+          <a:xfrm>
+            <a:off x="0" y="-1"/>
+            <a:ext cx="12188824" cy="6858001"/>
+          </a:xfrm>
+          <a:prstGeom prst="rect">
+            <a:avLst/>
+          </a:prstGeom>
+          <a:ln>
+            <a:noFill/>
+          </a:ln>
+        </p:spPr>
+        <p:style>
+          <a:lnRef idx="2">
+            <a:schemeClr val="accent1">
+              <a:shade val="50000"/>
+            </a:schemeClr>
+          </a:lnRef>
+          <a:fillRef idx="1">
+            <a:schemeClr val="accent1"/>
+          </a:fillRef>
+          <a:effectRef idx="0">
+            <a:schemeClr val="accent1"/>
+          </a:effectRef>
+          <a:fontRef idx="minor">
+            <a:schemeClr val="lt1"/>
+          </a:fontRef>
+        </p:style>
+        <p:txBody>
+          <a:bodyPr rtlCol="0" anchor="ctr"/>
+          <a:lstStyle/>
+          <a:p>
+            <a:pPr algn="ctr"/>
+            <a:endParaRPr lang="en-US"/>
+          </a:p>
+        </p:txBody>
+      </p:sp>
+      <p:pic>
+        <p:nvPicPr>
+          <p:cNvPr id="12" name="Picture 11">
+            <a:extLst>
+              <a:ext uri="{FF2B5EF4-FFF2-40B4-BE49-F238E27FC236}">
+                <a16:creationId xmlns:a16="http://schemas.microsoft.com/office/drawing/2014/main" id="{6CACDD17-9043-46DF-882D-420365B79C18}"/>
+              </a:ext>
+              <a:ext uri="{C183D7F6-B498-43B3-948B-1728B52AA6E4}">
+                <adec:decorative xmlns:adec="http://schemas.microsoft.com/office/drawing/2017/decorative" val="1"/>
+              </a:ext>
+            </a:extLst>
+          </p:cNvPr>
+          <p:cNvPicPr>
+            <a:picLocks noGrp="1" noRot="1" noChangeAspect="1" noMove="1" noResize="1" noEditPoints="1" noAdjustHandles="1" noChangeArrowheads="1" noChangeShapeType="1" noCrop="1"/>
+          </p:cNvPicPr>
+          <p:nvPr>
+            <p:extLst>
+              <p:ext uri="{386F3935-93C4-4BCD-93E2-E3B085C9AB24}">
+                <p16:designElem xmlns:p16="http://schemas.microsoft.com/office/powerpoint/2015/main" val="1"/>
+              </p:ext>
+            </p:extLst>
+          </p:nvPr>
+        </p:nvPicPr>
+        <p:blipFill>
+          <a:blip r:embed="rId2">
+            <a:alphaModFix amt="10000"/>
+            <a:extLst>
+              <a:ext uri="{28A0092B-C50C-407E-A947-70E740481C1C}">
+                <a14:useLocalDpi xmlns:a14="http://schemas.microsoft.com/office/drawing/2010/main" val="0"/>
+              </a:ext>
+            </a:extLst>
+          </a:blip>
+          <a:stretch>
+            <a:fillRect/>
+          </a:stretch>
+        </p:blipFill>
+        <p:spPr>
+          <a:xfrm>
+            <a:off x="0" y="0"/>
+            <a:ext cx="12192000" cy="6858000"/>
+          </a:xfrm>
+          <a:prstGeom prst="rect">
+            <a:avLst/>
+          </a:prstGeom>
+        </p:spPr>
+      </p:pic>
+      <p:sp>
+        <p:nvSpPr>
+          <p:cNvPr id="14" name="Rectangle 13">
+            <a:extLst>
+              <a:ext uri="{FF2B5EF4-FFF2-40B4-BE49-F238E27FC236}">
+                <a16:creationId xmlns:a16="http://schemas.microsoft.com/office/drawing/2014/main" id="{CF2D8AD5-434A-4C0E-9F5B-C1AFD645F364}"/>
+              </a:ext>
+              <a:ext uri="{C183D7F6-B498-43B3-948B-1728B52AA6E4}">
+                <adec:decorative xmlns:adec="http://schemas.microsoft.com/office/drawing/2017/decorative" val="1"/>
+              </a:ext>
+            </a:extLst>
+          </p:cNvPr>
+          <p:cNvSpPr>
+            <a:spLocks noGrp="1" noRot="1" noChangeAspect="1" noMove="1" noResize="1" noEditPoints="1" noAdjustHandles="1" noChangeArrowheads="1" noChangeShapeType="1" noTextEdit="1"/>
+          </p:cNvSpPr>
+          <p:nvPr>
+            <p:extLst>
+              <p:ext uri="{386F3935-93C4-4BCD-93E2-E3B085C9AB24}">
+                <p16:designElem xmlns:p16="http://schemas.microsoft.com/office/powerpoint/2015/main" val="1"/>
+              </p:ext>
+            </p:extLst>
+          </p:nvPr>
+        </p:nvSpPr>
+        <p:spPr bwMode="grayWhite">
+          <a:xfrm>
+            <a:off x="2" y="609600"/>
+            <a:ext cx="4959094" cy="1368198"/>
+          </a:xfrm>
+          <a:prstGeom prst="rect">
+            <a:avLst/>
+          </a:prstGeom>
+          <a:solidFill>
+            <a:schemeClr val="bg1">
+              <a:lumMod val="85000"/>
+              <a:lumOff val="15000"/>
+            </a:schemeClr>
+          </a:solidFill>
+          <a:ln>
+            <a:noFill/>
+          </a:ln>
+        </p:spPr>
+        <p:style>
+          <a:lnRef idx="2">
+            <a:schemeClr val="accent1">
+              <a:shade val="50000"/>
+            </a:schemeClr>
+          </a:lnRef>
+          <a:fillRef idx="1">
+            <a:schemeClr val="accent1"/>
+          </a:fillRef>
+          <a:effectRef idx="0">
+            <a:schemeClr val="accent1"/>
+          </a:effectRef>
+          <a:fontRef idx="minor">
+            <a:schemeClr val="lt1"/>
+          </a:fontRef>
+        </p:style>
+      </p:sp>
       <p:sp>
         <p:nvSpPr>
           <p:cNvPr id="2" name="Título 1">
@@ -11978,7 +12506,7 @@
         <p:spPr>
           <a:xfrm>
             <a:off x="680321" y="753228"/>
-            <a:ext cx="7087552" cy="1080938"/>
+            <a:ext cx="4136123" cy="1080938"/>
           </a:xfrm>
         </p:spPr>
         <p:txBody>
@@ -11988,12 +12516,57 @@
           <a:lstStyle/>
           <a:p>
             <a:r>
-              <a:rPr lang="es-MX" dirty="0"/>
+              <a:rPr lang="es-MX" sz="2400"/>
               <a:t>Código</a:t>
             </a:r>
           </a:p>
         </p:txBody>
       </p:sp>
+      <p:pic>
+        <p:nvPicPr>
+          <p:cNvPr id="16" name="Picture 15">
+            <a:extLst>
+              <a:ext uri="{FF2B5EF4-FFF2-40B4-BE49-F238E27FC236}">
+                <a16:creationId xmlns:a16="http://schemas.microsoft.com/office/drawing/2014/main" id="{E92B246D-47CC-40F8-8DE7-B65D409E945E}"/>
+              </a:ext>
+              <a:ext uri="{C183D7F6-B498-43B3-948B-1728B52AA6E4}">
+                <adec:decorative xmlns:adec="http://schemas.microsoft.com/office/drawing/2017/decorative" val="1"/>
+              </a:ext>
+            </a:extLst>
+          </p:cNvPr>
+          <p:cNvPicPr>
+            <a:picLocks noGrp="1" noRot="1" noChangeAspect="1" noMove="1" noResize="1" noEditPoints="1" noAdjustHandles="1" noChangeArrowheads="1" noChangeShapeType="1" noCrop="1"/>
+          </p:cNvPicPr>
+          <p:nvPr>
+            <p:extLst>
+              <p:ext uri="{386F3935-93C4-4BCD-93E2-E3B085C9AB24}">
+                <p16:designElem xmlns:p16="http://schemas.microsoft.com/office/powerpoint/2015/main" val="1"/>
+              </p:ext>
+            </p:extLst>
+          </p:nvPr>
+        </p:nvPicPr>
+        <p:blipFill>
+          <a:blip r:embed="rId3">
+            <a:extLst>
+              <a:ext uri="{28A0092B-C50C-407E-A947-70E740481C1C}">
+                <a14:useLocalDpi xmlns:a14="http://schemas.microsoft.com/office/drawing/2010/main" val="0"/>
+              </a:ext>
+            </a:extLst>
+          </a:blip>
+          <a:stretch>
+            <a:fillRect/>
+          </a:stretch>
+        </p:blipFill>
+        <p:spPr>
+          <a:xfrm>
+            <a:off x="2" y="1970241"/>
+            <a:ext cx="4956048" cy="199787"/>
+          </a:xfrm>
+          <a:prstGeom prst="rect">
+            <a:avLst/>
+          </a:prstGeom>
+        </p:spPr>
+      </p:pic>
       <p:sp>
         <p:nvSpPr>
           <p:cNvPr id="3" name="Marcador de contenido 2">
@@ -12012,109 +12585,27 @@
         </p:nvSpPr>
         <p:spPr>
           <a:xfrm>
-            <a:off x="167641" y="2336872"/>
-            <a:ext cx="8503920" cy="4231567"/>
+            <a:off x="680321" y="2336873"/>
+            <a:ext cx="4136123" cy="3599316"/>
           </a:xfrm>
         </p:spPr>
         <p:txBody>
           <a:bodyPr>
-            <a:normAutofit fontScale="85000" lnSpcReduction="20000"/>
+            <a:normAutofit fontScale="70000" lnSpcReduction="20000"/>
           </a:bodyPr>
           <a:lstStyle/>
           <a:p>
             <a:r>
+              <a:rPr lang="es-MX" i="1" dirty="0"/>
+              <a:t>exports</a:t>
+            </a:r>
+            <a:r>
               <a:rPr lang="es-MX" dirty="0"/>
-              <a:t>class </a:t>
+              <a:t>.addContact = functions.https.onRequest(async (</a:t>
             </a:r>
             <a:r>
               <a:rPr lang="es-MX" i="1" dirty="0"/>
-              <a:t>PushNotificationsProvider</a:t>
-            </a:r>
-            <a:r>
-              <a:rPr lang="es-MX" dirty="0"/>
-              <a:t> {</a:t>
-            </a:r>
-          </a:p>
-          <a:p>
-            <a:r>
-              <a:rPr lang="es-MX" dirty="0"/>
-              <a:t>final _mensajesStreamController = </a:t>
-            </a:r>
-            <a:r>
-              <a:rPr lang="es-MX" i="1" dirty="0"/>
-              <a:t>StreamController</a:t>
-            </a:r>
-            <a:r>
-              <a:rPr lang="es-MX" dirty="0"/>
-              <a:t>&lt;</a:t>
-            </a:r>
-            <a:r>
-              <a:rPr lang="es-MX" i="1" dirty="0"/>
-              <a:t>String</a:t>
-            </a:r>
-            <a:r>
-              <a:rPr lang="es-MX" dirty="0"/>
-              <a:t>&gt;.broadcast();</a:t>
-            </a:r>
-          </a:p>
-          <a:p>
-            <a:br>
-              <a:rPr lang="es-MX" dirty="0"/>
-            </a:br>
-            <a:r>
-              <a:rPr lang="es-MX" i="1" dirty="0"/>
-              <a:t>Stream</a:t>
-            </a:r>
-            <a:r>
-              <a:rPr lang="es-MX" dirty="0"/>
-              <a:t>&lt;</a:t>
-            </a:r>
-            <a:r>
-              <a:rPr lang="es-MX" i="1" dirty="0"/>
-              <a:t>String</a:t>
-            </a:r>
-            <a:r>
-              <a:rPr lang="es-MX" dirty="0"/>
-              <a:t>&gt; get mensajesStream =&gt; _mensajesStreamController.stream;</a:t>
-            </a:r>
-          </a:p>
-          <a:p>
-            <a:br>
-              <a:rPr lang="es-MX" dirty="0"/>
-            </a:br>
-            <a:r>
-              <a:rPr lang="es-MX" dirty="0"/>
-              <a:t>static </a:t>
-            </a:r>
-            <a:r>
-              <a:rPr lang="es-MX" i="1" dirty="0"/>
-              <a:t>Future</a:t>
-            </a:r>
-            <a:r>
-              <a:rPr lang="es-MX" dirty="0"/>
-              <a:t>&lt;</a:t>
-            </a:r>
-            <a:r>
-              <a:rPr lang="es-MX" i="1" dirty="0"/>
-              <a:t>dynamic</a:t>
-            </a:r>
-            <a:r>
-              <a:rPr lang="es-MX" dirty="0"/>
-              <a:t>&gt; onBackgroundMessage(</a:t>
-            </a:r>
-          </a:p>
-          <a:p>
-            <a:r>
-              <a:rPr lang="es-MX" i="1" dirty="0"/>
-              <a:t>Map</a:t>
-            </a:r>
-            <a:r>
-              <a:rPr lang="es-MX" dirty="0"/>
-              <a:t>&lt;</a:t>
-            </a:r>
-            <a:r>
-              <a:rPr lang="es-MX" i="1" dirty="0"/>
-              <a:t>String</a:t>
+              <a:t>req</a:t>
             </a:r>
             <a:r>
               <a:rPr lang="es-MX" dirty="0"/>
@@ -12122,59 +12613,80 @@
             </a:r>
             <a:r>
               <a:rPr lang="es-MX" i="1" dirty="0"/>
-              <a:t>dynamic</a:t>
+              <a:t>res</a:t>
             </a:r>
             <a:r>
               <a:rPr lang="es-MX" dirty="0"/>
-              <a:t>&gt; message) async {</a:t>
-            </a:r>
-          </a:p>
-          <a:p>
-            <a:r>
-              <a:rPr lang="es-MX" dirty="0"/>
-              <a:t>if (message.containsKey('data')) {</a:t>
-            </a:r>
-          </a:p>
-          <a:p>
-            <a:r>
-              <a:rPr lang="es-MX" dirty="0"/>
-              <a:t>// Handle data message</a:t>
-            </a:r>
-          </a:p>
-          <a:p>
-            <a:r>
-              <a:rPr lang="es-MX" dirty="0"/>
-              <a:t>final </a:t>
+              <a:t>) </a:t>
             </a:r>
             <a:r>
               <a:rPr lang="es-MX" i="1" dirty="0"/>
-              <a:t>dynamic</a:t>
+              <a:t>=&gt;</a:t>
             </a:r>
             <a:r>
               <a:rPr lang="es-MX" dirty="0"/>
-              <a:t> data = message['data'];</a:t>
+              <a:t> {</a:t>
             </a:r>
           </a:p>
           <a:p>
+            <a:r>
+              <a:rPr lang="es-MX" i="1" dirty="0"/>
+              <a:t>const</a:t>
+            </a:r>
             <a:r>
               <a:rPr lang="es-MX" dirty="0"/>
-              <a:t>print(data);</a:t>
+              <a:t> original = req.query.text;</a:t>
             </a:r>
           </a:p>
           <a:p>
-            <a:pPr marL="0" indent="0">
-              <a:buNone/>
-            </a:pPr>
-            <a:endParaRPr lang="es-MX" dirty="0"/>
+            <a:r>
+              <a:rPr lang="es-MX" i="1" dirty="0"/>
+              <a:t>const</a:t>
+            </a:r>
+            <a:r>
+              <a:rPr lang="es-MX" dirty="0"/>
+              <a:t> writeResult = await admin.firestore().collection('messages').add({original: original});</a:t>
+            </a:r>
+          </a:p>
+          <a:p>
+            <a:r>
+              <a:rPr lang="es-MX" dirty="0"/>
+              <a:t>// Send back a message that we've succesfully written the message</a:t>
+            </a:r>
+          </a:p>
+          <a:p>
+            <a:r>
+              <a:rPr lang="es-MX" dirty="0"/>
+              <a:t>res.json({result: `Message with ID: ${writeResult.id} added.`});</a:t>
+            </a:r>
+          </a:p>
+          <a:p>
+            <a:r>
+              <a:rPr lang="es-MX" dirty="0"/>
+              <a:t>// [END adminSdkAdd]</a:t>
+            </a:r>
+          </a:p>
+          <a:p>
+            <a:r>
+              <a:rPr lang="es-MX" dirty="0"/>
+              <a:t>});</a:t>
+            </a:r>
+          </a:p>
+          <a:p>
+            <a:r>
+              <a:rPr lang="es-MX"/>
+              <a:t>// [</a:t>
+            </a:r>
+            <a:endParaRPr lang="es-MX" sz="1800" dirty="0"/>
           </a:p>
         </p:txBody>
       </p:sp>
       <p:pic>
         <p:nvPicPr>
-          <p:cNvPr id="8" name="Imagen 7">
+          <p:cNvPr id="5" name="Marcador de contenido 4">
             <a:extLst>
               <a:ext uri="{FF2B5EF4-FFF2-40B4-BE49-F238E27FC236}">
-                <a16:creationId xmlns:a16="http://schemas.microsoft.com/office/drawing/2014/main" id="{21D4452F-EA77-874D-9E6D-344A7F60B20B}"/>
+                <a16:creationId xmlns:a16="http://schemas.microsoft.com/office/drawing/2014/main" id="{03A20AD7-3445-544A-8D7F-A9DA2EB8C8BC}"/>
               </a:ext>
             </a:extLst>
           </p:cNvPr>
@@ -12184,216 +12696,35 @@
           <p:nvPr/>
         </p:nvPicPr>
         <p:blipFill>
-          <a:blip r:embed="rId2"/>
+          <a:blip r:embed="rId4"/>
           <a:stretch>
             <a:fillRect/>
           </a:stretch>
         </p:blipFill>
         <p:spPr>
           <a:xfrm>
-            <a:off x="8072673" y="2072298"/>
-            <a:ext cx="3951687" cy="4676767"/>
+            <a:off x="6604953" y="609600"/>
+            <a:ext cx="3645407" cy="5608320"/>
           </a:xfrm>
           <a:prstGeom prst="rect">
             <a:avLst/>
           </a:prstGeom>
+          <a:ln>
+            <a:noFill/>
+          </a:ln>
+          <a:effectLst>
+            <a:outerShdw blurRad="76200" dist="63500" dir="5040000" algn="tl" rotWithShape="0">
+              <a:srgbClr val="000000">
+                <a:alpha val="41000"/>
+              </a:srgbClr>
+            </a:outerShdw>
+          </a:effectLst>
         </p:spPr>
       </p:pic>
     </p:spTree>
     <p:extLst>
       <p:ext uri="{BB962C8B-B14F-4D97-AF65-F5344CB8AC3E}">
         <p14:creationId xmlns:p14="http://schemas.microsoft.com/office/powerpoint/2010/main" val="2895738973"/>
-      </p:ext>
-    </p:extLst>
-  </p:cSld>
-  <p:clrMapOvr>
-    <a:masterClrMapping/>
-  </p:clrMapOvr>
-</p:sld>
-</file>
-
-<file path=ppt/slides/slide8.xml><?xml version="1.0" encoding="utf-8"?>
-<p:sld xmlns:a="http://schemas.openxmlformats.org/drawingml/2006/main" xmlns:r="http://schemas.openxmlformats.org/officeDocument/2006/relationships" xmlns:p="http://schemas.openxmlformats.org/presentationml/2006/main">
-  <p:cSld>
-    <p:spTree>
-      <p:nvGrpSpPr>
-        <p:cNvPr id="1" name=""/>
-        <p:cNvGrpSpPr/>
-        <p:nvPr/>
-      </p:nvGrpSpPr>
-      <p:grpSpPr>
-        <a:xfrm>
-          <a:off x="0" y="0"/>
-          <a:ext cx="0" cy="0"/>
-          <a:chOff x="0" y="0"/>
-          <a:chExt cx="0" cy="0"/>
-        </a:xfrm>
-      </p:grpSpPr>
-      <p:sp>
-        <p:nvSpPr>
-          <p:cNvPr id="2" name="Título 1">
-            <a:extLst>
-              <a:ext uri="{FF2B5EF4-FFF2-40B4-BE49-F238E27FC236}">
-                <a16:creationId xmlns:a16="http://schemas.microsoft.com/office/drawing/2014/main" id="{1A27DE73-22E7-364F-8C27-A2ADD073ECE5}"/>
-              </a:ext>
-            </a:extLst>
-          </p:cNvPr>
-          <p:cNvSpPr>
-            <a:spLocks noGrp="1"/>
-          </p:cNvSpPr>
-          <p:nvPr>
-            <p:ph type="title"/>
-          </p:nvPr>
-        </p:nvSpPr>
-        <p:spPr>
-          <a:xfrm>
-            <a:off x="680321" y="753228"/>
-            <a:ext cx="7087552" cy="1080938"/>
-          </a:xfrm>
-        </p:spPr>
-        <p:txBody>
-          <a:bodyPr>
-            <a:normAutofit/>
-          </a:bodyPr>
-          <a:lstStyle/>
-          <a:p>
-            <a:r>
-              <a:rPr lang="es-MX" dirty="0"/>
-              <a:t>Código</a:t>
-            </a:r>
-          </a:p>
-        </p:txBody>
-      </p:sp>
-      <p:sp>
-        <p:nvSpPr>
-          <p:cNvPr id="3" name="Marcador de contenido 2">
-            <a:extLst>
-              <a:ext uri="{FF2B5EF4-FFF2-40B4-BE49-F238E27FC236}">
-                <a16:creationId xmlns:a16="http://schemas.microsoft.com/office/drawing/2014/main" id="{2AF4DCC9-E0C2-8747-AACF-CF7F53D015B2}"/>
-              </a:ext>
-            </a:extLst>
-          </p:cNvPr>
-          <p:cNvSpPr>
-            <a:spLocks noGrp="1"/>
-          </p:cNvSpPr>
-          <p:nvPr>
-            <p:ph idx="1"/>
-          </p:nvPr>
-        </p:nvSpPr>
-        <p:spPr>
-          <a:xfrm>
-            <a:off x="680321" y="2336873"/>
-            <a:ext cx="7991239" cy="3599316"/>
-          </a:xfrm>
-        </p:spPr>
-        <p:txBody>
-          <a:bodyPr>
-            <a:normAutofit fontScale="92500" lnSpcReduction="10000"/>
-          </a:bodyPr>
-          <a:lstStyle/>
-          <a:p>
-            <a:r>
-              <a:rPr lang="es-MX" i="1" dirty="0"/>
-              <a:t>@override</a:t>
-            </a:r>
-            <a:endParaRPr lang="es-MX" dirty="0"/>
-          </a:p>
-          <a:p>
-            <a:r>
-              <a:rPr lang="es-MX" i="1" dirty="0"/>
-              <a:t>void</a:t>
-            </a:r>
-            <a:r>
-              <a:rPr lang="es-MX" dirty="0"/>
-              <a:t> initState() {</a:t>
-            </a:r>
-          </a:p>
-          <a:p>
-            <a:r>
-              <a:rPr lang="es-MX" dirty="0"/>
-              <a:t>super.initState();</a:t>
-            </a:r>
-          </a:p>
-          <a:p>
-            <a:r>
-              <a:rPr lang="es-MX" dirty="0"/>
-              <a:t>final pushProvider = new </a:t>
-            </a:r>
-            <a:r>
-              <a:rPr lang="es-MX" i="1" dirty="0"/>
-              <a:t>PushNotificationsProvider</a:t>
-            </a:r>
-            <a:r>
-              <a:rPr lang="es-MX" dirty="0"/>
-              <a:t>();</a:t>
-            </a:r>
-          </a:p>
-          <a:p>
-            <a:r>
-              <a:rPr lang="es-MX" dirty="0"/>
-              <a:t>pushProvider.mensajesStream.listen((data) {</a:t>
-            </a:r>
-          </a:p>
-          <a:p>
-            <a:r>
-              <a:rPr lang="es-MX" dirty="0"/>
-              <a:t>navigatorKey.currentState.pushNamed('mensaje', arguments: data);</a:t>
-            </a:r>
-          </a:p>
-          <a:p>
-            <a:r>
-              <a:rPr lang="es-MX" dirty="0"/>
-              <a:t>});</a:t>
-            </a:r>
-          </a:p>
-          <a:p>
-            <a:r>
-              <a:rPr lang="es-MX" dirty="0"/>
-              <a:t>}</a:t>
-            </a:r>
-          </a:p>
-          <a:p>
-            <a:pPr marL="0" indent="0">
-              <a:buNone/>
-            </a:pPr>
-            <a:endParaRPr lang="es-MX" dirty="0"/>
-          </a:p>
-        </p:txBody>
-      </p:sp>
-      <p:pic>
-        <p:nvPicPr>
-          <p:cNvPr id="8" name="Imagen 7">
-            <a:extLst>
-              <a:ext uri="{FF2B5EF4-FFF2-40B4-BE49-F238E27FC236}">
-                <a16:creationId xmlns:a16="http://schemas.microsoft.com/office/drawing/2014/main" id="{21D4452F-EA77-874D-9E6D-344A7F60B20B}"/>
-              </a:ext>
-            </a:extLst>
-          </p:cNvPr>
-          <p:cNvPicPr>
-            <a:picLocks noChangeAspect="1"/>
-          </p:cNvPicPr>
-          <p:nvPr/>
-        </p:nvPicPr>
-        <p:blipFill>
-          <a:blip r:embed="rId2"/>
-          <a:stretch>
-            <a:fillRect/>
-          </a:stretch>
-        </p:blipFill>
-        <p:spPr>
-          <a:xfrm>
-            <a:off x="8072673" y="2072298"/>
-            <a:ext cx="3951687" cy="4676767"/>
-          </a:xfrm>
-          <a:prstGeom prst="rect">
-            <a:avLst/>
-          </a:prstGeom>
-        </p:spPr>
-      </p:pic>
-    </p:spTree>
-    <p:extLst>
-      <p:ext uri="{BB962C8B-B14F-4D97-AF65-F5344CB8AC3E}">
-        <p14:creationId xmlns:p14="http://schemas.microsoft.com/office/powerpoint/2010/main" val="951848764"/>
       </p:ext>
     </p:extLst>
   </p:cSld>

--- a/Cloud_functions.pptx
+++ b/Cloud_functions.pptx
@@ -11193,12 +11193,13 @@
           </a:bodyPr>
           <a:lstStyle/>
           <a:p>
-            <a:pPr algn="just"/>
+            <a:pPr marL="0" indent="0">
+              <a:buNone/>
+            </a:pPr>
             <a:r>
               <a:rPr lang="es-MX" dirty="0"/>
-              <a:t>Cloud Functions permite que los desarrolladores accedan a eventos de Firebase y Google Cloud y brinda la capacidad de procesamiento escalable para ejecutar código en respuesta a esos eventos.</a:t>
+              <a:t>Realizar cargas de trabajo asíncronas, o las automatizaciones en la nube, como la activación de compilaciones de aplicaciones, ya no necesitan su propio servidor y un desarrollador para conectarlo. Simplemente despliega una función vinculada al evento que desea y ya está.</a:t>
             </a:r>
-            <a:endParaRPr lang="es-MX" sz="3200" dirty="0"/>
           </a:p>
         </p:txBody>
       </p:sp>
@@ -11596,8 +11597,8 @@
           <a:p>
             <a:pPr algn="r"/>
             <a:r>
-              <a:rPr lang="es-MX" sz="4400"/>
-              <a:t>Casos practicos</a:t>
+              <a:rPr lang="es-MX" sz="4400" dirty="0"/>
+              <a:t>Casos Prácticos</a:t>
             </a:r>
           </a:p>
         </p:txBody>
@@ -11693,7 +11694,7 @@
           <a:p>
             <a:r>
               <a:rPr lang="es-MX" dirty="0"/>
-              <a:t>¿Principales enfoques?</a:t>
+              <a:t>¿Principales Enfoques?</a:t>
             </a:r>
           </a:p>
         </p:txBody>
@@ -11729,14 +11730,14 @@
             <a:pPr algn="just"/>
             <a:r>
               <a:rPr lang="es-MX" sz="3200" dirty="0"/>
-              <a:t>Te permiten enfoque total en el codigo al olvidarte del escalado, instalacion de entornos.</a:t>
+              <a:t>Te permiten enfoque total en el codigo al olvidarte del escalado, instalación de entornos.</a:t>
             </a:r>
           </a:p>
           <a:p>
             <a:pPr algn="just"/>
             <a:r>
               <a:rPr lang="es-MX" sz="3200" dirty="0"/>
-              <a:t>Enfoque del codigo a los microsercvicios, mas faciles de mantener.</a:t>
+              <a:t>Enfoque del código a los microservicios, más faciles de mantener.</a:t>
             </a:r>
           </a:p>
         </p:txBody>
@@ -12143,8 +12144,13 @@
             </a:pPr>
             <a:r>
               <a:rPr lang="es-MX" sz="2000" dirty="0"/>
-              <a:t>1.-Función Directorio</a:t>
+              <a:t>1</a:t>
             </a:r>
+            <a:r>
+              <a:rPr lang="es-MX" sz="2000"/>
+              <a:t>.-Directorio Corporativo.</a:t>
+            </a:r>
+            <a:endParaRPr lang="es-MX" sz="2000" dirty="0"/>
           </a:p>
         </p:txBody>
       </p:sp>
@@ -12591,7 +12597,7 @@
         </p:spPr>
         <p:txBody>
           <a:bodyPr>
-            <a:normAutofit fontScale="70000" lnSpcReduction="20000"/>
+            <a:normAutofit fontScale="85000" lnSpcReduction="10000"/>
           </a:bodyPr>
           <a:lstStyle/>
           <a:p>
@@ -12651,19 +12657,7 @@
           <a:p>
             <a:r>
               <a:rPr lang="es-MX" dirty="0"/>
-              <a:t>// Send back a message that we've succesfully written the message</a:t>
-            </a:r>
-          </a:p>
-          <a:p>
-            <a:r>
-              <a:rPr lang="es-MX" dirty="0"/>
               <a:t>res.json({result: `Message with ID: ${writeResult.id} added.`});</a:t>
-            </a:r>
-          </a:p>
-          <a:p>
-            <a:r>
-              <a:rPr lang="es-MX" dirty="0"/>
-              <a:t>// [END adminSdkAdd]</a:t>
             </a:r>
           </a:p>
           <a:p>
@@ -12673,10 +12667,9 @@
             </a:r>
           </a:p>
           <a:p>
-            <a:r>
-              <a:rPr lang="es-MX"/>
-              <a:t>// [</a:t>
-            </a:r>
+            <a:pPr marL="0" indent="0">
+              <a:buNone/>
+            </a:pPr>
             <a:endParaRPr lang="es-MX" sz="1800" dirty="0"/>
           </a:p>
         </p:txBody>

--- a/Cloud_functions.pptx
+++ b/Cloud_functions.pptx
@@ -10959,9 +10959,10 @@
           <a:p>
             <a:pPr algn="l"/>
             <a:r>
-              <a:rPr lang="es-MX" dirty="0"/>
-              <a:t>08/08/2020</a:t>
+              <a:rPr lang="es-MX"/>
+              <a:t>15/08/2020</a:t>
             </a:r>
+            <a:endParaRPr lang="es-MX" dirty="0"/>
           </a:p>
         </p:txBody>
       </p:sp>
@@ -12144,13 +12145,8 @@
             </a:pPr>
             <a:r>
               <a:rPr lang="es-MX" sz="2000" dirty="0"/>
-              <a:t>1</a:t>
+              <a:t>1.-Directorio Corporativo (ligado a evento).</a:t>
             </a:r>
-            <a:r>
-              <a:rPr lang="es-MX" sz="2000"/>
-              <a:t>.-Directorio Corporativo.</a:t>
-            </a:r>
-            <a:endParaRPr lang="es-MX" sz="2000" dirty="0"/>
           </a:p>
         </p:txBody>
       </p:sp>
@@ -12522,7 +12518,7 @@
           <a:lstStyle/>
           <a:p>
             <a:r>
-              <a:rPr lang="es-MX" sz="2400"/>
+              <a:rPr lang="es-MX" sz="2400" dirty="0"/>
               <a:t>Código</a:t>
             </a:r>
           </a:p>
@@ -12597,10 +12593,13 @@
         </p:spPr>
         <p:txBody>
           <a:bodyPr>
-            <a:normAutofit fontScale="85000" lnSpcReduction="10000"/>
+            <a:normAutofit fontScale="92500" lnSpcReduction="20000"/>
           </a:bodyPr>
           <a:lstStyle/>
           <a:p>
+            <a:pPr marL="0" indent="0">
+              <a:buNone/>
+            </a:pPr>
             <a:r>
               <a:rPr lang="es-MX" i="1" dirty="0"/>
               <a:t>exports</a:t>
@@ -12635,6 +12634,9 @@
             </a:r>
           </a:p>
           <a:p>
+            <a:pPr marL="0" indent="0">
+              <a:buNone/>
+            </a:pPr>
             <a:r>
               <a:rPr lang="es-MX" i="1" dirty="0"/>
               <a:t>const</a:t>
@@ -12645,6 +12647,9 @@
             </a:r>
           </a:p>
           <a:p>
+            <a:pPr marL="0" indent="0">
+              <a:buNone/>
+            </a:pPr>
             <a:r>
               <a:rPr lang="es-MX" i="1" dirty="0"/>
               <a:t>const</a:t>
@@ -12655,12 +12660,18 @@
             </a:r>
           </a:p>
           <a:p>
+            <a:pPr marL="0" indent="0">
+              <a:buNone/>
+            </a:pPr>
             <a:r>
               <a:rPr lang="es-MX" dirty="0"/>
               <a:t>res.json({result: `Message with ID: ${writeResult.id} added.`});</a:t>
             </a:r>
           </a:p>
           <a:p>
+            <a:pPr marL="0" indent="0">
+              <a:buNone/>
+            </a:pPr>
             <a:r>
               <a:rPr lang="es-MX" dirty="0"/>
               <a:t>});</a:t>
